--- a/slides/lezione4.pptx
+++ b/slides/lezione4.pptx
@@ -203,7 +203,7 @@
           <a:p>
             <a:fld id="{E39E4411-F617-6844-B543-1D0C1529BD09}" type="datetimeFigureOut">
               <a:rPr lang="en-US" smtClean="0"/>
-              <a:t>12/19/25</a:t>
+              <a:t>12/26/2025</a:t>
             </a:fld>
             <a:endParaRPr lang="en-US"/>
           </a:p>
@@ -361,7 +361,7 @@
           <a:p>
             <a:fld id="{D511362C-BAF5-F649-B307-735187DD2A6B}" type="slidenum">
               <a:rPr lang="en-US" smtClean="0"/>
-              <a:t>‹#›</a:t>
+              <a:t>‹N›</a:t>
             </a:fld>
             <a:endParaRPr lang="en-US"/>
           </a:p>
@@ -673,7 +673,7 @@
           <a:p>
             <a:fld id="{B7C12E76-5DE4-834B-BE10-AD31AA7B20EC}" type="slidenum">
               <a:rPr lang="en-US" smtClean="0"/>
-              <a:t>‹#›</a:t>
+              <a:t>‹N›</a:t>
             </a:fld>
             <a:endParaRPr lang="en-US"/>
           </a:p>
@@ -873,7 +873,7 @@
           <a:p>
             <a:fld id="{B7C12E76-5DE4-834B-BE10-AD31AA7B20EC}" type="slidenum">
               <a:rPr lang="en-US" smtClean="0"/>
-              <a:t>‹#›</a:t>
+              <a:t>‹N›</a:t>
             </a:fld>
             <a:endParaRPr lang="en-US"/>
           </a:p>
@@ -1083,7 +1083,7 @@
           <a:p>
             <a:fld id="{B7C12E76-5DE4-834B-BE10-AD31AA7B20EC}" type="slidenum">
               <a:rPr lang="en-US" smtClean="0"/>
-              <a:t>‹#›</a:t>
+              <a:t>‹N›</a:t>
             </a:fld>
             <a:endParaRPr lang="en-US"/>
           </a:p>
@@ -1283,7 +1283,7 @@
           <a:p>
             <a:fld id="{B7C12E76-5DE4-834B-BE10-AD31AA7B20EC}" type="slidenum">
               <a:rPr lang="en-US" smtClean="0"/>
-              <a:t>‹#›</a:t>
+              <a:t>‹N›</a:t>
             </a:fld>
             <a:endParaRPr lang="en-US"/>
           </a:p>
@@ -1560,7 +1560,7 @@
           <a:p>
             <a:fld id="{B7C12E76-5DE4-834B-BE10-AD31AA7B20EC}" type="slidenum">
               <a:rPr lang="en-US" smtClean="0"/>
-              <a:t>‹#›</a:t>
+              <a:t>‹N›</a:t>
             </a:fld>
             <a:endParaRPr lang="en-US"/>
           </a:p>
@@ -1827,7 +1827,7 @@
           <a:p>
             <a:fld id="{B7C12E76-5DE4-834B-BE10-AD31AA7B20EC}" type="slidenum">
               <a:rPr lang="en-US" smtClean="0"/>
-              <a:t>‹#›</a:t>
+              <a:t>‹N›</a:t>
             </a:fld>
             <a:endParaRPr lang="en-US"/>
           </a:p>
@@ -2241,7 +2241,7 @@
           <a:p>
             <a:fld id="{B7C12E76-5DE4-834B-BE10-AD31AA7B20EC}" type="slidenum">
               <a:rPr lang="en-US" smtClean="0"/>
-              <a:t>‹#›</a:t>
+              <a:t>‹N›</a:t>
             </a:fld>
             <a:endParaRPr lang="en-US"/>
           </a:p>
@@ -2384,7 +2384,7 @@
           <a:p>
             <a:fld id="{B7C12E76-5DE4-834B-BE10-AD31AA7B20EC}" type="slidenum">
               <a:rPr lang="en-US" smtClean="0"/>
-              <a:t>‹#›</a:t>
+              <a:t>‹N›</a:t>
             </a:fld>
             <a:endParaRPr lang="en-US"/>
           </a:p>
@@ -2499,7 +2499,7 @@
           <a:p>
             <a:fld id="{B7C12E76-5DE4-834B-BE10-AD31AA7B20EC}" type="slidenum">
               <a:rPr lang="en-US" smtClean="0"/>
-              <a:t>‹#›</a:t>
+              <a:t>‹N›</a:t>
             </a:fld>
             <a:endParaRPr lang="en-US"/>
           </a:p>
@@ -2812,7 +2812,7 @@
           <a:p>
             <a:fld id="{B7C12E76-5DE4-834B-BE10-AD31AA7B20EC}" type="slidenum">
               <a:rPr lang="en-US" smtClean="0"/>
-              <a:t>‹#›</a:t>
+              <a:t>‹N›</a:t>
             </a:fld>
             <a:endParaRPr lang="en-US"/>
           </a:p>
@@ -3105,7 +3105,7 @@
           <a:p>
             <a:fld id="{B7C12E76-5DE4-834B-BE10-AD31AA7B20EC}" type="slidenum">
               <a:rPr lang="en-US" smtClean="0"/>
-              <a:t>‹#›</a:t>
+              <a:t>‹N›</a:t>
             </a:fld>
             <a:endParaRPr lang="en-US"/>
           </a:p>
@@ -3386,7 +3386,7 @@
           <a:p>
             <a:fld id="{B7C12E76-5DE4-834B-BE10-AD31AA7B20EC}" type="slidenum">
               <a:rPr lang="en-US" smtClean="0"/>
-              <a:t>‹#›</a:t>
+              <a:t>‹N›</a:t>
             </a:fld>
             <a:endParaRPr lang="en-US"/>
           </a:p>
@@ -3732,13 +3732,23 @@
         </p:nvSpPr>
         <p:spPr/>
         <p:txBody>
-          <a:bodyPr/>
+          <a:bodyPr>
+            <a:normAutofit fontScale="90000"/>
+          </a:bodyPr>
           <a:lstStyle/>
           <a:p>
             <a:r>
               <a:rPr lang="it-IT" noProof="0" dirty="0"/>
               <a:t>Lezione 4</a:t>
             </a:r>
+            <a:br>
+              <a:rPr lang="it-IT" noProof="0" dirty="0"/>
+            </a:br>
+            <a:r>
+              <a:rPr lang="en-US" i="1"/>
+              <a:t>Introduction to FPGAs and Xilinx devices</a:t>
+            </a:r>
+            <a:endParaRPr lang="it-IT" noProof="0" dirty="0"/>
           </a:p>
         </p:txBody>
       </p:sp>
